--- a/CM2013 Project Introduction.pptx
+++ b/CM2013 Project Introduction.pptx
@@ -60,7 +60,7 @@
   <p:notesSz cx="6858000" cy="9144000"/>
   <p:embeddedFontLst>
     <p:embeddedFont>
-      <p:font typeface="Figtree" pitchFamily="2" charset="0"/>
+      <p:font typeface="Figtree" panose="020B0604020202020204" charset="0"/>
       <p:regular r:id="rId50"/>
       <p:bold r:id="rId51"/>
       <p:italic r:id="rId52"/>
@@ -21401,7 +21401,7 @@
           <a:p>
             <a:fld id="{5BCAD085-E8A6-8845-BD4E-CB4CCA059FC4}" type="datetimeFigureOut">
               <a:rPr lang="en-US" smtClean="0"/>
-              <a:t>10/1/25</a:t>
+              <a:t>10/1/2025</a:t>
             </a:fld>
             <a:endParaRPr lang="en-US"/>
           </a:p>
@@ -30336,26 +30336,14 @@
             </a:r>
             <a:r>
               <a:rPr lang="en-GB" dirty="0"/>
-              <a:t> (cc)</a:t>
+              <a:t> (CC)</a:t>
             </a:r>
           </a:p>
           <a:p>
             <a:pPr lvl="1"/>
             <a:r>
-              <a:rPr lang="en-GB" dirty="0" err="1"/>
-              <a:t>Frdin</a:t>
-            </a:r>
-            <a:r>
               <a:rPr lang="en-GB" dirty="0"/>
-              <a:t> </a:t>
-            </a:r>
-            <a:r>
-              <a:rPr lang="en-GB" dirty="0" err="1"/>
-              <a:t>Afdideh</a:t>
-            </a:r>
-            <a:r>
-              <a:rPr lang="en-GB" dirty="0"/>
-              <a:t>, </a:t>
+              <a:t>Fardin Afdideh, </a:t>
             </a:r>
             <a:r>
               <a:rPr lang="en-GB" dirty="0">
@@ -30372,25 +30360,23 @@
             <a:pPr lvl="1"/>
             <a:r>
               <a:rPr lang="en-GB" dirty="0"/>
-              <a:t>Eduardo </a:t>
-            </a:r>
-            <a:r>
-              <a:rPr lang="en-GB" dirty="0" err="1"/>
-              <a:t>Illueca</a:t>
-            </a:r>
-            <a:r>
-              <a:rPr lang="en-GB" dirty="0"/>
-              <a:t> Fernandez, </a:t>
+              <a:t>Eduardo Illueca Fernandez, </a:t>
             </a:r>
             <a:r>
               <a:rPr lang="en-GB" dirty="0">
                 <a:hlinkClick r:id="rId4"/>
               </a:rPr>
-              <a:t>eduardo.illueca@ki.se</a:t>
+              <a:t>eduardo.illueca@ki.</a:t>
+            </a:r>
+            <a:r>
+              <a:rPr lang="en-GB">
+                <a:hlinkClick r:id="rId4"/>
+              </a:rPr>
+              <a:t>se</a:t>
             </a:r>
             <a:r>
               <a:rPr lang="en-GB"/>
-              <a:t> (cc)</a:t>
+              <a:t> (CC)</a:t>
             </a:r>
             <a:endParaRPr lang="en-GB" dirty="0"/>
           </a:p>
